--- a/Aula03.pptx
+++ b/Aula03.pptx
@@ -231,7 +231,7 @@
             <a:fld id="{4FC57188-328F-409D-ABFB-91E1B6C5CBEE}" type="datetimeFigureOut">
               <a:rPr lang="pt-BR" smtClean="0"/>
               <a:pPr/>
-              <a:t>08/05/2019</a:t>
+              <a:t>09/05/2019</a:t>
             </a:fld>
             <a:endParaRPr lang="pt-BR"/>
           </a:p>
@@ -673,7 +673,7 @@
             <a:fld id="{C1D1DBAD-5489-4EDB-8C36-EEBBA31CE2AB}" type="datetime1">
               <a:rPr lang="pt-BR" smtClean="0"/>
               <a:pPr/>
-              <a:t>08/05/2019</a:t>
+              <a:t>09/05/2019</a:t>
             </a:fld>
             <a:endParaRPr lang="pt-BR"/>
           </a:p>
@@ -840,7 +840,7 @@
             <a:fld id="{0648C560-E8F5-4568-98A8-F600B0D8A4F0}" type="datetime1">
               <a:rPr lang="pt-BR" smtClean="0"/>
               <a:pPr/>
-              <a:t>08/05/2019</a:t>
+              <a:t>09/05/2019</a:t>
             </a:fld>
             <a:endParaRPr lang="pt-BR"/>
           </a:p>
@@ -1017,7 +1017,7 @@
             <a:fld id="{A261A9BA-C3FF-4FA8-B5C7-51100E834B63}" type="datetime1">
               <a:rPr lang="pt-BR" smtClean="0"/>
               <a:pPr/>
-              <a:t>08/05/2019</a:t>
+              <a:t>09/05/2019</a:t>
             </a:fld>
             <a:endParaRPr lang="pt-BR"/>
           </a:p>
@@ -1184,7 +1184,7 @@
             <a:fld id="{20F63199-19BE-4345-8186-3FE6ABEF2D1B}" type="datetime1">
               <a:rPr lang="pt-BR" smtClean="0"/>
               <a:pPr/>
-              <a:t>08/05/2019</a:t>
+              <a:t>09/05/2019</a:t>
             </a:fld>
             <a:endParaRPr lang="pt-BR"/>
           </a:p>
@@ -1428,7 +1428,7 @@
             <a:fld id="{6267C653-65CA-451C-AA6B-70D341279164}" type="datetime1">
               <a:rPr lang="pt-BR" smtClean="0"/>
               <a:pPr/>
-              <a:t>08/05/2019</a:t>
+              <a:t>09/05/2019</a:t>
             </a:fld>
             <a:endParaRPr lang="pt-BR"/>
           </a:p>
@@ -1694,7 +1694,7 @@
             <a:fld id="{9F4FDE23-7AD0-441F-B625-D091A50DCADC}" type="datetime1">
               <a:rPr lang="pt-BR" smtClean="0"/>
               <a:pPr/>
-              <a:t>08/05/2019</a:t>
+              <a:t>09/05/2019</a:t>
             </a:fld>
             <a:endParaRPr lang="pt-BR"/>
           </a:p>
@@ -2074,7 +2074,7 @@
             <a:fld id="{CB13160C-8BAD-40DB-9688-531D9DF7DCD3}" type="datetime1">
               <a:rPr lang="pt-BR" smtClean="0"/>
               <a:pPr/>
-              <a:t>08/05/2019</a:t>
+              <a:t>09/05/2019</a:t>
             </a:fld>
             <a:endParaRPr lang="pt-BR"/>
           </a:p>
@@ -2226,7 +2226,7 @@
             <a:fld id="{26C0299F-E4FE-4103-85D5-56468E3D35D4}" type="datetime1">
               <a:rPr lang="pt-BR" smtClean="0"/>
               <a:pPr/>
-              <a:t>08/05/2019</a:t>
+              <a:t>09/05/2019</a:t>
             </a:fld>
             <a:endParaRPr lang="pt-BR"/>
           </a:p>
@@ -2318,7 +2318,7 @@
             <a:fld id="{655C7A29-7872-454C-8B8E-A38679A91596}" type="datetime1">
               <a:rPr lang="pt-BR" smtClean="0"/>
               <a:pPr/>
-              <a:t>08/05/2019</a:t>
+              <a:t>09/05/2019</a:t>
             </a:fld>
             <a:endParaRPr lang="pt-BR"/>
           </a:p>
@@ -2581,7 +2581,7 @@
             <a:fld id="{776E30D2-4101-44C7-B6AE-43D92E248AD0}" type="datetime1">
               <a:rPr lang="pt-BR" smtClean="0"/>
               <a:pPr/>
-              <a:t>08/05/2019</a:t>
+              <a:t>09/05/2019</a:t>
             </a:fld>
             <a:endParaRPr lang="pt-BR"/>
           </a:p>
@@ -2871,7 +2871,7 @@
             <a:fld id="{A9B7A1D8-8FEA-4761-ADA2-5B7EC3F0A03C}" type="datetime1">
               <a:rPr lang="pt-BR" smtClean="0"/>
               <a:pPr/>
-              <a:t>08/05/2019</a:t>
+              <a:t>09/05/2019</a:t>
             </a:fld>
             <a:endParaRPr lang="pt-BR"/>
           </a:p>
@@ -3644,7 +3644,7 @@
             <a:fld id="{D9F0E698-E276-4BE3-A092-15CA1BEF6177}" type="datetime1">
               <a:rPr lang="pt-BR" smtClean="0"/>
               <a:pPr/>
-              <a:t>08/05/2019</a:t>
+              <a:t>09/05/2019</a:t>
             </a:fld>
             <a:endParaRPr lang="pt-BR"/>
           </a:p>
@@ -5882,13 +5882,6 @@
             <a:r>
               <a:rPr lang="pt-BR" dirty="0"/>
               <a:t>Eficiente em largura de banda;</a:t>
-            </a:r>
-          </a:p>
-          <a:p>
-            <a:pPr lvl="1"/>
-            <a:r>
-              <a:rPr lang="pt-BR" dirty="0"/>
-              <a:t>Dados agnósticos;</a:t>
             </a:r>
           </a:p>
           <a:p>

--- a/Aula03.pptx
+++ b/Aula03.pptx
@@ -5,7 +5,7 @@
     <p:sldMasterId id="2147483660" r:id="rId1"/>
   </p:sldMasterIdLst>
   <p:notesMasterIdLst>
-    <p:notesMasterId r:id="rId19"/>
+    <p:notesMasterId r:id="rId18"/>
   </p:notesMasterIdLst>
   <p:sldIdLst>
     <p:sldId id="256" r:id="rId2"/>
@@ -15,16 +15,15 @@
     <p:sldId id="342" r:id="rId6"/>
     <p:sldId id="322" r:id="rId7"/>
     <p:sldId id="311" r:id="rId8"/>
-    <p:sldId id="312" r:id="rId9"/>
-    <p:sldId id="314" r:id="rId10"/>
-    <p:sldId id="321" r:id="rId11"/>
-    <p:sldId id="323" r:id="rId12"/>
-    <p:sldId id="324" r:id="rId13"/>
-    <p:sldId id="316" r:id="rId14"/>
-    <p:sldId id="315" r:id="rId15"/>
-    <p:sldId id="330" r:id="rId16"/>
-    <p:sldId id="339" r:id="rId17"/>
-    <p:sldId id="308" r:id="rId18"/>
+    <p:sldId id="314" r:id="rId9"/>
+    <p:sldId id="321" r:id="rId10"/>
+    <p:sldId id="323" r:id="rId11"/>
+    <p:sldId id="324" r:id="rId12"/>
+    <p:sldId id="316" r:id="rId13"/>
+    <p:sldId id="315" r:id="rId14"/>
+    <p:sldId id="330" r:id="rId15"/>
+    <p:sldId id="339" r:id="rId16"/>
+    <p:sldId id="308" r:id="rId17"/>
   </p:sldIdLst>
   <p:sldSz cx="9144000" cy="6858000" type="screen4x3"/>
   <p:notesSz cx="6858000" cy="9144000"/>
@@ -4467,7 +4466,7 @@
           <a:p>
             <a:r>
               <a:rPr lang="pt-BR" dirty="0"/>
-              <a:t>Motion </a:t>
+              <a:t>Position </a:t>
             </a:r>
             <a:r>
               <a:rPr lang="pt-BR" dirty="0" err="1"/>
@@ -4494,57 +4493,55 @@
           <a:p>
             <a:r>
               <a:rPr lang="pt-BR" dirty="0"/>
-              <a:t>Sensores que medem movimentos e orientação;</a:t>
-            </a:r>
-          </a:p>
-          <a:p>
-            <a:endParaRPr lang="pt-BR" dirty="0"/>
+              <a:t>Utilizados para determinar a posição de um </a:t>
+            </a:r>
+            <a:r>
+              <a:rPr lang="pt-BR" dirty="0" err="1"/>
+              <a:t>device</a:t>
+            </a:r>
+            <a:r>
+              <a:rPr lang="pt-BR" dirty="0"/>
+              <a:t>;</a:t>
+            </a:r>
           </a:p>
           <a:p>
             <a:pPr lvl="1"/>
             <a:r>
               <a:rPr lang="pt-BR" dirty="0"/>
-              <a:t>Acelerômetro;</a:t>
-            </a:r>
-          </a:p>
-          <a:p>
-            <a:pPr lvl="1"/>
-            <a:r>
-              <a:rPr lang="pt-BR" dirty="0"/>
-              <a:t>Gravidade;</a:t>
-            </a:r>
-          </a:p>
-          <a:p>
-            <a:pPr lvl="1"/>
-            <a:r>
-              <a:rPr lang="pt-BR" dirty="0"/>
-              <a:t>Giroscópio;</a:t>
-            </a:r>
-          </a:p>
-          <a:p>
-            <a:pPr lvl="1"/>
-            <a:r>
-              <a:rPr lang="pt-BR" dirty="0"/>
-              <a:t>Rotação;</a:t>
-            </a:r>
-          </a:p>
-          <a:p>
-            <a:pPr lvl="1"/>
-            <a:r>
-              <a:rPr lang="pt-BR" dirty="0"/>
-              <a:t>Passos;</a:t>
-            </a:r>
-          </a:p>
-          <a:p>
-            <a:pPr lvl="1"/>
-            <a:r>
-              <a:rPr lang="pt-BR" dirty="0"/>
-              <a:t>...</a:t>
+              <a:t>P. ex. O quanto próximo o telefone está perto da sua face;</a:t>
             </a:r>
           </a:p>
           <a:p>
             <a:pPr lvl="1"/>
             <a:endParaRPr lang="pt-BR" dirty="0"/>
+          </a:p>
+          <a:p>
+            <a:pPr lvl="1"/>
+            <a:r>
+              <a:rPr lang="pt-BR" dirty="0"/>
+              <a:t>Rotação;</a:t>
+            </a:r>
+          </a:p>
+          <a:p>
+            <a:pPr lvl="1"/>
+            <a:r>
+              <a:rPr lang="pt-BR" dirty="0"/>
+              <a:t>Geomagnético;</a:t>
+            </a:r>
+          </a:p>
+          <a:p>
+            <a:pPr lvl="1"/>
+            <a:r>
+              <a:rPr lang="pt-BR" dirty="0"/>
+              <a:t>Orientação;</a:t>
+            </a:r>
+          </a:p>
+          <a:p>
+            <a:pPr lvl="1"/>
+            <a:r>
+              <a:rPr lang="pt-BR" dirty="0"/>
+              <a:t>Proximidade;</a:t>
+            </a:r>
           </a:p>
         </p:txBody>
       </p:sp>
@@ -4575,7 +4572,7 @@
     </p:spTree>
     <p:extLst>
       <p:ext uri="{BB962C8B-B14F-4D97-AF65-F5344CB8AC3E}">
-        <p14:creationId xmlns:p14="http://schemas.microsoft.com/office/powerpoint/2010/main" val="1570708731"/>
+        <p14:creationId xmlns:p14="http://schemas.microsoft.com/office/powerpoint/2010/main" val="932668512"/>
       </p:ext>
     </p:extLst>
   </p:cSld>
@@ -4614,12 +4611,18 @@
         </p:nvSpPr>
         <p:spPr/>
         <p:txBody>
-          <a:bodyPr/>
-          <a:lstStyle/>
-          <a:p>
-            <a:r>
-              <a:rPr lang="pt-BR" dirty="0"/>
-              <a:t>Position </a:t>
+          <a:bodyPr>
+            <a:normAutofit/>
+          </a:bodyPr>
+          <a:lstStyle/>
+          <a:p>
+            <a:r>
+              <a:rPr lang="pt-BR" dirty="0" err="1"/>
+              <a:t>Environment</a:t>
+            </a:r>
+            <a:r>
+              <a:rPr lang="pt-BR" dirty="0"/>
+              <a:t> </a:t>
             </a:r>
             <a:r>
               <a:rPr lang="pt-BR" dirty="0" err="1"/>
@@ -4646,54 +4649,45 @@
           <a:p>
             <a:r>
               <a:rPr lang="pt-BR" dirty="0"/>
-              <a:t>Utilizados para determinar a posição de um </a:t>
-            </a:r>
-            <a:r>
-              <a:rPr lang="pt-BR" dirty="0" err="1"/>
-              <a:t>device</a:t>
-            </a:r>
-            <a:r>
-              <a:rPr lang="pt-BR" dirty="0"/>
-              <a:t>;</a:t>
-            </a:r>
+              <a:t>Utilizado para monitorar propriedades do ambiente ao redor;</a:t>
+            </a:r>
+          </a:p>
+          <a:p>
+            <a:endParaRPr lang="pt-BR" dirty="0"/>
           </a:p>
           <a:p>
             <a:pPr lvl="1"/>
             <a:r>
               <a:rPr lang="pt-BR" dirty="0"/>
-              <a:t>P. ex. O quanto próximo o telefone está perto da sua face;</a:t>
+              <a:t>Temperatura;</a:t>
             </a:r>
           </a:p>
           <a:p>
             <a:pPr lvl="1"/>
-            <a:endParaRPr lang="pt-BR" dirty="0"/>
+            <a:r>
+              <a:rPr lang="pt-BR" dirty="0"/>
+              <a:t>Luminosidade;</a:t>
+            </a:r>
           </a:p>
           <a:p>
             <a:pPr lvl="1"/>
             <a:r>
               <a:rPr lang="pt-BR" dirty="0"/>
-              <a:t>Rotação;</a:t>
+              <a:t>Pressão</a:t>
             </a:r>
           </a:p>
           <a:p>
             <a:pPr lvl="1"/>
             <a:r>
               <a:rPr lang="pt-BR" dirty="0"/>
-              <a:t>Geomagnético;</a:t>
+              <a:t>Humidade;</a:t>
             </a:r>
           </a:p>
           <a:p>
             <a:pPr lvl="1"/>
             <a:r>
               <a:rPr lang="pt-BR" dirty="0"/>
-              <a:t>Orientação;</a:t>
-            </a:r>
-          </a:p>
-          <a:p>
-            <a:pPr lvl="1"/>
-            <a:r>
-              <a:rPr lang="pt-BR" dirty="0"/>
-              <a:t>Proximidade;</a:t>
+              <a:t>...</a:t>
             </a:r>
           </a:p>
         </p:txBody>
@@ -4725,7 +4719,7 @@
     </p:spTree>
     <p:extLst>
       <p:ext uri="{BB962C8B-B14F-4D97-AF65-F5344CB8AC3E}">
-        <p14:creationId xmlns:p14="http://schemas.microsoft.com/office/powerpoint/2010/main" val="932668512"/>
+        <p14:creationId xmlns:p14="http://schemas.microsoft.com/office/powerpoint/2010/main" val="700705255"/>
       </p:ext>
     </p:extLst>
   </p:cSld>
@@ -4764,83 +4758,79 @@
         </p:nvSpPr>
         <p:spPr/>
         <p:txBody>
-          <a:bodyPr>
-            <a:normAutofit/>
-          </a:bodyPr>
-          <a:lstStyle/>
-          <a:p>
+          <a:bodyPr/>
+          <a:lstStyle/>
+          <a:p>
+            <a:r>
+              <a:rPr lang="pt-BR" dirty="0"/>
+              <a:t>Google Play Services</a:t>
+            </a:r>
+          </a:p>
+        </p:txBody>
+      </p:sp>
+      <p:sp>
+        <p:nvSpPr>
+          <p:cNvPr id="3" name="Espaço Reservado para Conteúdo 2"/>
+          <p:cNvSpPr>
+            <a:spLocks noGrp="1"/>
+          </p:cNvSpPr>
+          <p:nvPr>
+            <p:ph idx="1"/>
+          </p:nvPr>
+        </p:nvSpPr>
+        <p:spPr/>
+        <p:txBody>
+          <a:bodyPr/>
+          <a:lstStyle/>
+          <a:p>
+            <a:r>
+              <a:rPr lang="pt-BR" dirty="0"/>
+              <a:t>Biblioteca de Serviços do Google;</a:t>
+            </a:r>
+          </a:p>
+          <a:p>
+            <a:pPr lvl="1"/>
+            <a:r>
+              <a:rPr lang="pt-BR" dirty="0"/>
+              <a:t>Fornece uma API;</a:t>
+            </a:r>
+          </a:p>
+          <a:p>
+            <a:endParaRPr lang="pt-BR" dirty="0"/>
+          </a:p>
+          <a:p>
+            <a:r>
+              <a:rPr lang="pt-BR" dirty="0"/>
+              <a:t>Acessos aos serviços do Google;</a:t>
+            </a:r>
+          </a:p>
+          <a:p>
+            <a:pPr lvl="1"/>
             <a:r>
               <a:rPr lang="pt-BR" dirty="0" err="1"/>
-              <a:t>Environment</a:t>
-            </a:r>
-            <a:r>
-              <a:rPr lang="pt-BR" dirty="0"/>
-              <a:t> </a:t>
-            </a:r>
-            <a:r>
-              <a:rPr lang="pt-BR" dirty="0" err="1"/>
-              <a:t>Sensors</a:t>
-            </a:r>
+              <a:t>Maps</a:t>
+            </a:r>
+            <a:r>
+              <a:rPr lang="pt-BR" dirty="0"/>
+              <a:t>, Google+, Drive,...</a:t>
+            </a:r>
+          </a:p>
+          <a:p>
             <a:endParaRPr lang="pt-BR" dirty="0"/>
           </a:p>
-        </p:txBody>
-      </p:sp>
-      <p:sp>
-        <p:nvSpPr>
-          <p:cNvPr id="3" name="Espaço Reservado para Conteúdo 2"/>
-          <p:cNvSpPr>
-            <a:spLocks noGrp="1"/>
-          </p:cNvSpPr>
-          <p:nvPr>
-            <p:ph idx="1"/>
-          </p:nvPr>
-        </p:nvSpPr>
-        <p:spPr/>
-        <p:txBody>
-          <a:bodyPr/>
-          <a:lstStyle/>
-          <a:p>
-            <a:r>
-              <a:rPr lang="pt-BR" dirty="0"/>
-              <a:t>Utilizado para monitorar propriedades do ambiente ao redor;</a:t>
+          <a:p>
+            <a:r>
+              <a:rPr lang="pt-BR" dirty="0"/>
+              <a:t>Acesso a API de localização;</a:t>
             </a:r>
           </a:p>
           <a:p>
             <a:endParaRPr lang="pt-BR" dirty="0"/>
           </a:p>
           <a:p>
-            <a:pPr lvl="1"/>
-            <a:r>
-              <a:rPr lang="pt-BR" dirty="0"/>
-              <a:t>Temperatura;</a:t>
-            </a:r>
-          </a:p>
-          <a:p>
-            <a:pPr lvl="1"/>
-            <a:r>
-              <a:rPr lang="pt-BR" dirty="0"/>
-              <a:t>Luminosidade;</a:t>
-            </a:r>
-          </a:p>
-          <a:p>
-            <a:pPr lvl="1"/>
-            <a:r>
-              <a:rPr lang="pt-BR" dirty="0"/>
-              <a:t>Pressão</a:t>
-            </a:r>
-          </a:p>
-          <a:p>
-            <a:pPr lvl="1"/>
-            <a:r>
-              <a:rPr lang="pt-BR" dirty="0"/>
-              <a:t>Humidade;</a:t>
-            </a:r>
-          </a:p>
-          <a:p>
-            <a:pPr lvl="1"/>
-            <a:r>
-              <a:rPr lang="pt-BR" dirty="0"/>
-              <a:t>...</a:t>
+            <a:r>
+              <a:rPr lang="pt-BR" dirty="0"/>
+              <a:t>Atualização constantes;</a:t>
             </a:r>
           </a:p>
         </p:txBody>
@@ -4864,149 +4854,6 @@
               <a:rPr lang="pt-BR" smtClean="0"/>
               <a:pPr/>
               <a:t>12</a:t>
-            </a:fld>
-            <a:endParaRPr lang="pt-BR"/>
-          </a:p>
-        </p:txBody>
-      </p:sp>
-    </p:spTree>
-    <p:extLst>
-      <p:ext uri="{BB962C8B-B14F-4D97-AF65-F5344CB8AC3E}">
-        <p14:creationId xmlns:p14="http://schemas.microsoft.com/office/powerpoint/2010/main" val="700705255"/>
-      </p:ext>
-    </p:extLst>
-  </p:cSld>
-  <p:clrMapOvr>
-    <a:masterClrMapping/>
-  </p:clrMapOvr>
-</p:sld>
-</file>
-
-<file path=ppt/slides/slide13.xml><?xml version="1.0" encoding="utf-8"?>
-<p:sld xmlns:a="http://schemas.openxmlformats.org/drawingml/2006/main" xmlns:r="http://schemas.openxmlformats.org/officeDocument/2006/relationships" xmlns:p="http://schemas.openxmlformats.org/presentationml/2006/main">
-  <p:cSld>
-    <p:spTree>
-      <p:nvGrpSpPr>
-        <p:cNvPr id="1" name=""/>
-        <p:cNvGrpSpPr/>
-        <p:nvPr/>
-      </p:nvGrpSpPr>
-      <p:grpSpPr>
-        <a:xfrm>
-          <a:off x="0" y="0"/>
-          <a:ext cx="0" cy="0"/>
-          <a:chOff x="0" y="0"/>
-          <a:chExt cx="0" cy="0"/>
-        </a:xfrm>
-      </p:grpSpPr>
-      <p:sp>
-        <p:nvSpPr>
-          <p:cNvPr id="2" name="Título 1"/>
-          <p:cNvSpPr>
-            <a:spLocks noGrp="1"/>
-          </p:cNvSpPr>
-          <p:nvPr>
-            <p:ph type="title"/>
-          </p:nvPr>
-        </p:nvSpPr>
-        <p:spPr/>
-        <p:txBody>
-          <a:bodyPr/>
-          <a:lstStyle/>
-          <a:p>
-            <a:r>
-              <a:rPr lang="pt-BR" dirty="0"/>
-              <a:t>Google Play Services</a:t>
-            </a:r>
-          </a:p>
-        </p:txBody>
-      </p:sp>
-      <p:sp>
-        <p:nvSpPr>
-          <p:cNvPr id="3" name="Espaço Reservado para Conteúdo 2"/>
-          <p:cNvSpPr>
-            <a:spLocks noGrp="1"/>
-          </p:cNvSpPr>
-          <p:nvPr>
-            <p:ph idx="1"/>
-          </p:nvPr>
-        </p:nvSpPr>
-        <p:spPr/>
-        <p:txBody>
-          <a:bodyPr/>
-          <a:lstStyle/>
-          <a:p>
-            <a:r>
-              <a:rPr lang="pt-BR" dirty="0"/>
-              <a:t>Biblioteca de Serviços do Google;</a:t>
-            </a:r>
-          </a:p>
-          <a:p>
-            <a:pPr lvl="1"/>
-            <a:r>
-              <a:rPr lang="pt-BR" dirty="0"/>
-              <a:t>Fornece uma API;</a:t>
-            </a:r>
-          </a:p>
-          <a:p>
-            <a:endParaRPr lang="pt-BR" dirty="0"/>
-          </a:p>
-          <a:p>
-            <a:r>
-              <a:rPr lang="pt-BR" dirty="0"/>
-              <a:t>Acessos aos serviços do Google;</a:t>
-            </a:r>
-          </a:p>
-          <a:p>
-            <a:pPr lvl="1"/>
-            <a:r>
-              <a:rPr lang="pt-BR" dirty="0" err="1"/>
-              <a:t>Maps</a:t>
-            </a:r>
-            <a:r>
-              <a:rPr lang="pt-BR" dirty="0"/>
-              <a:t>, Google+, Drive,...</a:t>
-            </a:r>
-          </a:p>
-          <a:p>
-            <a:endParaRPr lang="pt-BR" dirty="0"/>
-          </a:p>
-          <a:p>
-            <a:r>
-              <a:rPr lang="pt-BR" dirty="0"/>
-              <a:t>Acesso a API de localização;</a:t>
-            </a:r>
-          </a:p>
-          <a:p>
-            <a:endParaRPr lang="pt-BR" dirty="0"/>
-          </a:p>
-          <a:p>
-            <a:r>
-              <a:rPr lang="pt-BR" dirty="0"/>
-              <a:t>Atualização constantes;</a:t>
-            </a:r>
-          </a:p>
-        </p:txBody>
-      </p:sp>
-      <p:sp>
-        <p:nvSpPr>
-          <p:cNvPr id="4" name="Espaço Reservado para Número de Slide 3"/>
-          <p:cNvSpPr>
-            <a:spLocks noGrp="1"/>
-          </p:cNvSpPr>
-          <p:nvPr>
-            <p:ph type="sldNum" sz="quarter" idx="12"/>
-          </p:nvPr>
-        </p:nvSpPr>
-        <p:spPr/>
-        <p:txBody>
-          <a:bodyPr/>
-          <a:lstStyle/>
-          <a:p>
-            <a:fld id="{2119D8CF-8DEC-4D9F-84EE-ADF04DFF3391}" type="slidenum">
-              <a:rPr lang="pt-BR" smtClean="0"/>
-              <a:pPr/>
-              <a:t>13</a:t>
             </a:fld>
             <a:endParaRPr lang="pt-BR"/>
           </a:p>
@@ -5066,6 +4913,150 @@
 </p:sld>
 </file>
 
+<file path=ppt/slides/slide13.xml><?xml version="1.0" encoding="utf-8"?>
+<p:sld xmlns:a="http://schemas.openxmlformats.org/drawingml/2006/main" xmlns:r="http://schemas.openxmlformats.org/officeDocument/2006/relationships" xmlns:p="http://schemas.openxmlformats.org/presentationml/2006/main">
+  <p:cSld>
+    <p:spTree>
+      <p:nvGrpSpPr>
+        <p:cNvPr id="1" name=""/>
+        <p:cNvGrpSpPr/>
+        <p:nvPr/>
+      </p:nvGrpSpPr>
+      <p:grpSpPr>
+        <a:xfrm>
+          <a:off x="0" y="0"/>
+          <a:ext cx="0" cy="0"/>
+          <a:chOff x="0" y="0"/>
+          <a:chExt cx="0" cy="0"/>
+        </a:xfrm>
+      </p:grpSpPr>
+      <p:sp>
+        <p:nvSpPr>
+          <p:cNvPr id="2" name="Título 1"/>
+          <p:cNvSpPr>
+            <a:spLocks noGrp="1"/>
+          </p:cNvSpPr>
+          <p:nvPr>
+            <p:ph type="title"/>
+          </p:nvPr>
+        </p:nvSpPr>
+        <p:spPr/>
+        <p:txBody>
+          <a:bodyPr/>
+          <a:lstStyle/>
+          <a:p>
+            <a:r>
+              <a:rPr lang="pt-BR" dirty="0"/>
+              <a:t>Localização</a:t>
+            </a:r>
+          </a:p>
+        </p:txBody>
+      </p:sp>
+      <p:sp>
+        <p:nvSpPr>
+          <p:cNvPr id="3" name="Espaço Reservado para Conteúdo 2"/>
+          <p:cNvSpPr>
+            <a:spLocks noGrp="1"/>
+          </p:cNvSpPr>
+          <p:nvPr>
+            <p:ph idx="1"/>
+          </p:nvPr>
+        </p:nvSpPr>
+        <p:spPr/>
+        <p:txBody>
+          <a:bodyPr>
+            <a:normAutofit/>
+          </a:bodyPr>
+          <a:lstStyle/>
+          <a:p>
+            <a:r>
+              <a:rPr lang="pt-BR" dirty="0"/>
+              <a:t>API disponível pelo Google Play Services;</a:t>
+            </a:r>
+          </a:p>
+          <a:p>
+            <a:pPr lvl="1"/>
+            <a:r>
+              <a:rPr lang="pt-BR" dirty="0"/>
+              <a:t>Atualização de localização;</a:t>
+            </a:r>
+          </a:p>
+          <a:p>
+            <a:pPr lvl="1"/>
+            <a:r>
+              <a:rPr lang="pt-BR" dirty="0" err="1"/>
+              <a:t>Geofencing</a:t>
+            </a:r>
+            <a:r>
+              <a:rPr lang="pt-BR" dirty="0"/>
+              <a:t>;</a:t>
+            </a:r>
+          </a:p>
+          <a:p>
+            <a:pPr lvl="1"/>
+            <a:r>
+              <a:rPr lang="pt-BR" dirty="0"/>
+              <a:t>Conhecimento de Atividades</a:t>
+            </a:r>
+          </a:p>
+          <a:p>
+            <a:endParaRPr lang="pt-BR" dirty="0"/>
+          </a:p>
+          <a:p>
+            <a:endParaRPr lang="pt-BR" dirty="0"/>
+          </a:p>
+          <a:p>
+            <a:r>
+              <a:rPr lang="pt-BR" dirty="0"/>
+              <a:t>Referência:</a:t>
+            </a:r>
+          </a:p>
+          <a:p>
+            <a:pPr lvl="1"/>
+            <a:r>
+              <a:rPr lang="pt-BR" dirty="0"/>
+              <a:t>https://developer.android.com/training/location/index.html</a:t>
+            </a:r>
+          </a:p>
+        </p:txBody>
+      </p:sp>
+      <p:sp>
+        <p:nvSpPr>
+          <p:cNvPr id="4" name="Espaço Reservado para Número de Slide 3"/>
+          <p:cNvSpPr>
+            <a:spLocks noGrp="1"/>
+          </p:cNvSpPr>
+          <p:nvPr>
+            <p:ph type="sldNum" sz="quarter" idx="12"/>
+          </p:nvPr>
+        </p:nvSpPr>
+        <p:spPr/>
+        <p:txBody>
+          <a:bodyPr/>
+          <a:lstStyle/>
+          <a:p>
+            <a:fld id="{2119D8CF-8DEC-4D9F-84EE-ADF04DFF3391}" type="slidenum">
+              <a:rPr lang="pt-BR" smtClean="0"/>
+              <a:pPr/>
+              <a:t>13</a:t>
+            </a:fld>
+            <a:endParaRPr lang="pt-BR"/>
+          </a:p>
+        </p:txBody>
+      </p:sp>
+    </p:spTree>
+    <p:extLst>
+      <p:ext uri="{BB962C8B-B14F-4D97-AF65-F5344CB8AC3E}">
+        <p14:creationId xmlns:p14="http://schemas.microsoft.com/office/powerpoint/2010/main" val="3905754434"/>
+      </p:ext>
+    </p:extLst>
+  </p:cSld>
+  <p:clrMapOvr>
+    <a:masterClrMapping/>
+  </p:clrMapOvr>
+</p:sld>
+</file>
+
 <file path=ppt/slides/slide14.xml><?xml version="1.0" encoding="utf-8"?>
 <p:sld xmlns:a="http://schemas.openxmlformats.org/drawingml/2006/main" xmlns:r="http://schemas.openxmlformats.org/officeDocument/2006/relationships" xmlns:p="http://schemas.openxmlformats.org/presentationml/2006/main">
   <p:cSld>
@@ -5117,58 +5108,48 @@
         </p:nvSpPr>
         <p:spPr/>
         <p:txBody>
-          <a:bodyPr>
-            <a:normAutofit/>
-          </a:bodyPr>
-          <a:lstStyle/>
-          <a:p>
-            <a:r>
-              <a:rPr lang="pt-BR" dirty="0"/>
-              <a:t>API disponível pelo Google Play Services;</a:t>
+          <a:bodyPr/>
+          <a:lstStyle/>
+          <a:p>
+            <a:r>
+              <a:rPr lang="pt-BR" dirty="0"/>
+              <a:t>Permissões:</a:t>
             </a:r>
           </a:p>
           <a:p>
             <a:pPr lvl="1"/>
-            <a:r>
-              <a:rPr lang="pt-BR" dirty="0"/>
-              <a:t>Atualização de localização;</a:t>
-            </a:r>
+            <a:endParaRPr lang="pt-BR" dirty="0"/>
           </a:p>
           <a:p>
             <a:pPr lvl="1"/>
             <a:r>
-              <a:rPr lang="pt-BR" dirty="0" err="1"/>
-              <a:t>Geofencing</a:t>
-            </a:r>
-            <a:r>
-              <a:rPr lang="pt-BR" dirty="0"/>
-              <a:t>;</a:t>
+              <a:rPr lang="pt-BR" dirty="0"/>
+              <a:t>ACCESS_COARSE_LOCATION:</a:t>
+            </a:r>
+          </a:p>
+          <a:p>
+            <a:pPr lvl="2"/>
+            <a:r>
+              <a:rPr lang="pt-BR" dirty="0"/>
+              <a:t>Localização aproximada;</a:t>
             </a:r>
           </a:p>
           <a:p>
             <a:pPr lvl="1"/>
-            <a:r>
-              <a:rPr lang="pt-BR" dirty="0"/>
-              <a:t>Conhecimento de Atividades</a:t>
-            </a:r>
-          </a:p>
-          <a:p>
             <a:endParaRPr lang="pt-BR" dirty="0"/>
           </a:p>
           <a:p>
-            <a:endParaRPr lang="pt-BR" dirty="0"/>
-          </a:p>
-          <a:p>
-            <a:r>
-              <a:rPr lang="pt-BR" dirty="0"/>
-              <a:t>Referência:</a:t>
-            </a:r>
-          </a:p>
-          <a:p>
             <a:pPr lvl="1"/>
             <a:r>
               <a:rPr lang="pt-BR" dirty="0"/>
-              <a:t>https://developer.android.com/training/location/index.html</a:t>
+              <a:t>ACCESS_FINE_LOCATION:</a:t>
+            </a:r>
+          </a:p>
+          <a:p>
+            <a:pPr lvl="2"/>
+            <a:r>
+              <a:rPr lang="pt-BR" dirty="0"/>
+              <a:t>Localização Precisa;</a:t>
             </a:r>
           </a:p>
         </p:txBody>
@@ -5200,7 +5181,7 @@
     </p:spTree>
     <p:extLst>
       <p:ext uri="{BB962C8B-B14F-4D97-AF65-F5344CB8AC3E}">
-        <p14:creationId xmlns:p14="http://schemas.microsoft.com/office/powerpoint/2010/main" val="3905754434"/>
+        <p14:creationId xmlns:p14="http://schemas.microsoft.com/office/powerpoint/2010/main" val="2094044215"/>
       </p:ext>
     </p:extLst>
   </p:cSld>
@@ -5229,7 +5210,13 @@
       </p:grpSpPr>
       <p:sp>
         <p:nvSpPr>
-          <p:cNvPr id="2" name="Título 1"/>
+          <p:cNvPr id="2" name="Título 1">
+            <a:extLst>
+              <a:ext uri="{FF2B5EF4-FFF2-40B4-BE49-F238E27FC236}">
+                <a16:creationId xmlns:a16="http://schemas.microsoft.com/office/drawing/2014/main" id="{802FB520-A098-416A-9D5E-5E087B42E1C9}"/>
+              </a:ext>
+            </a:extLst>
+          </p:cNvPr>
           <p:cNvSpPr>
             <a:spLocks noGrp="1"/>
           </p:cNvSpPr>
@@ -5244,14 +5231,20 @@
           <a:p>
             <a:r>
               <a:rPr lang="pt-BR" dirty="0"/>
-              <a:t>Localização</a:t>
-            </a:r>
-          </a:p>
-        </p:txBody>
-      </p:sp>
-      <p:sp>
-        <p:nvSpPr>
-          <p:cNvPr id="3" name="Espaço Reservado para Conteúdo 2"/>
+              <a:t>Trabalho</a:t>
+            </a:r>
+          </a:p>
+        </p:txBody>
+      </p:sp>
+      <p:sp>
+        <p:nvSpPr>
+          <p:cNvPr id="3" name="Espaço Reservado para Conteúdo 2">
+            <a:extLst>
+              <a:ext uri="{FF2B5EF4-FFF2-40B4-BE49-F238E27FC236}">
+                <a16:creationId xmlns:a16="http://schemas.microsoft.com/office/drawing/2014/main" id="{4D1C25D5-5081-4851-BB42-2CD66243B0AD}"/>
+              </a:ext>
+            </a:extLst>
+          </p:cNvPr>
           <p:cNvSpPr>
             <a:spLocks noGrp="1"/>
           </p:cNvSpPr>
@@ -5261,12 +5254,58 @@
         </p:nvSpPr>
         <p:spPr/>
         <p:txBody>
-          <a:bodyPr/>
-          <a:lstStyle/>
-          <a:p>
-            <a:r>
-              <a:rPr lang="pt-BR" dirty="0"/>
-              <a:t>Permissões:</a:t>
+          <a:bodyPr>
+            <a:normAutofit fontScale="92500"/>
+          </a:bodyPr>
+          <a:lstStyle/>
+          <a:p>
+            <a:r>
+              <a:rPr lang="pt-BR" dirty="0"/>
+              <a:t>Criar um aplicativo que se comunique por meio de MQTT e/ou REST com outros dispositivos/sensores/etc.</a:t>
+            </a:r>
+          </a:p>
+          <a:p>
+            <a:endParaRPr lang="pt-BR" b="1" dirty="0"/>
+          </a:p>
+          <a:p>
+            <a:pPr lvl="1"/>
+            <a:r>
+              <a:rPr lang="pt-BR" dirty="0"/>
+              <a:t>Android Nativo (</a:t>
+            </a:r>
+            <a:r>
+              <a:rPr lang="pt-BR" dirty="0" err="1"/>
+              <a:t>Kotlin</a:t>
+            </a:r>
+            <a:r>
+              <a:rPr lang="pt-BR" dirty="0"/>
+              <a:t>/Java)</a:t>
+            </a:r>
+          </a:p>
+          <a:p>
+            <a:pPr lvl="1"/>
+            <a:r>
+              <a:rPr lang="pt-BR" dirty="0" err="1"/>
+              <a:t>Ionic</a:t>
+            </a:r>
+            <a:r>
+              <a:rPr lang="pt-BR" dirty="0"/>
+              <a:t>/Angular</a:t>
+            </a:r>
+          </a:p>
+          <a:p>
+            <a:pPr lvl="1"/>
+            <a:r>
+              <a:rPr lang="pt-BR" dirty="0" err="1"/>
+              <a:t>Flutter</a:t>
+            </a:r>
+            <a:endParaRPr lang="pt-BR" dirty="0"/>
+          </a:p>
+          <a:p>
+            <a:pPr lvl="1"/>
+            <a:r>
+              <a:rPr lang="pt-BR" dirty="0"/>
+              <a:t>Outros...</a:t>
             </a:r>
           </a:p>
           <a:p>
@@ -5274,42 +5313,27 @@
             <a:endParaRPr lang="pt-BR" dirty="0"/>
           </a:p>
           <a:p>
-            <a:pPr lvl="1"/>
-            <a:r>
-              <a:rPr lang="pt-BR" dirty="0"/>
-              <a:t>ACCESS_COARSE_LOCATION:</a:t>
-            </a:r>
-          </a:p>
-          <a:p>
-            <a:pPr lvl="2"/>
-            <a:r>
-              <a:rPr lang="pt-BR" dirty="0"/>
-              <a:t>Localização aproximada;</a:t>
-            </a:r>
-          </a:p>
-          <a:p>
-            <a:pPr lvl="1"/>
+            <a:r>
+              <a:rPr lang="pt-BR" dirty="0"/>
+              <a:t>Evoluir o exemplo da “Prática MQTT” ou </a:t>
+            </a:r>
+            <a:r>
+              <a:rPr lang="pt-BR"/>
+              <a:t>exemplos anteriores;</a:t>
+            </a:r>
             <a:endParaRPr lang="pt-BR" dirty="0"/>
           </a:p>
-          <a:p>
-            <a:pPr lvl="1"/>
-            <a:r>
-              <a:rPr lang="pt-BR" dirty="0"/>
-              <a:t>ACCESS_FINE_LOCATION:</a:t>
-            </a:r>
-          </a:p>
-          <a:p>
-            <a:pPr lvl="2"/>
-            <a:r>
-              <a:rPr lang="pt-BR" dirty="0"/>
-              <a:t>Localização Precisa;</a:t>
-            </a:r>
-          </a:p>
-        </p:txBody>
-      </p:sp>
-      <p:sp>
-        <p:nvSpPr>
-          <p:cNvPr id="4" name="Espaço Reservado para Número de Slide 3"/>
+        </p:txBody>
+      </p:sp>
+      <p:sp>
+        <p:nvSpPr>
+          <p:cNvPr id="4" name="Espaço Reservado para Número de Slide 3">
+            <a:extLst>
+              <a:ext uri="{FF2B5EF4-FFF2-40B4-BE49-F238E27FC236}">
+                <a16:creationId xmlns:a16="http://schemas.microsoft.com/office/drawing/2014/main" id="{5C2A2EF5-4643-4DDD-9640-2F244F4782B0}"/>
+              </a:ext>
+            </a:extLst>
+          </p:cNvPr>
           <p:cNvSpPr>
             <a:spLocks noGrp="1"/>
           </p:cNvSpPr>
@@ -5334,7 +5358,7 @@
     </p:spTree>
     <p:extLst>
       <p:ext uri="{BB962C8B-B14F-4D97-AF65-F5344CB8AC3E}">
-        <p14:creationId xmlns:p14="http://schemas.microsoft.com/office/powerpoint/2010/main" val="2094044215"/>
+        <p14:creationId xmlns:p14="http://schemas.microsoft.com/office/powerpoint/2010/main" val="2602493670"/>
       </p:ext>
     </p:extLst>
   </p:cSld>
@@ -5363,13 +5387,7 @@
       </p:grpSpPr>
       <p:sp>
         <p:nvSpPr>
-          <p:cNvPr id="2" name="Título 1">
-            <a:extLst>
-              <a:ext uri="{FF2B5EF4-FFF2-40B4-BE49-F238E27FC236}">
-                <a16:creationId xmlns:a16="http://schemas.microsoft.com/office/drawing/2014/main" id="{802FB520-A098-416A-9D5E-5E087B42E1C9}"/>
-              </a:ext>
-            </a:extLst>
-          </p:cNvPr>
+          <p:cNvPr id="2" name="Título 1"/>
           <p:cNvSpPr>
             <a:spLocks noGrp="1"/>
           </p:cNvSpPr>
@@ -5384,20 +5402,14 @@
           <a:p>
             <a:r>
               <a:rPr lang="pt-BR" dirty="0"/>
-              <a:t>Trabalho</a:t>
-            </a:r>
-          </a:p>
-        </p:txBody>
-      </p:sp>
-      <p:sp>
-        <p:nvSpPr>
-          <p:cNvPr id="3" name="Espaço Reservado para Conteúdo 2">
-            <a:extLst>
-              <a:ext uri="{FF2B5EF4-FFF2-40B4-BE49-F238E27FC236}">
-                <a16:creationId xmlns:a16="http://schemas.microsoft.com/office/drawing/2014/main" id="{4D1C25D5-5081-4851-BB42-2CD66243B0AD}"/>
-              </a:ext>
-            </a:extLst>
-          </p:cNvPr>
+              <a:t>Obrigado</a:t>
+            </a:r>
+          </a:p>
+        </p:txBody>
+      </p:sp>
+      <p:sp>
+        <p:nvSpPr>
+          <p:cNvPr id="3" name="Espaço Reservado para Conteúdo 2"/>
           <p:cNvSpPr>
             <a:spLocks noGrp="1"/>
           </p:cNvSpPr>
@@ -5407,86 +5419,16 @@
         </p:nvSpPr>
         <p:spPr/>
         <p:txBody>
-          <a:bodyPr>
-            <a:normAutofit fontScale="92500"/>
-          </a:bodyPr>
-          <a:lstStyle/>
-          <a:p>
-            <a:r>
-              <a:rPr lang="pt-BR" dirty="0"/>
-              <a:t>Criar um aplicativo que se comunique por meio de MQTT e/ou REST com outros dispositivos/sensores/etc.</a:t>
-            </a:r>
-          </a:p>
-          <a:p>
-            <a:endParaRPr lang="pt-BR" b="1" dirty="0"/>
-          </a:p>
-          <a:p>
-            <a:pPr lvl="1"/>
-            <a:r>
-              <a:rPr lang="pt-BR" dirty="0"/>
-              <a:t>Android Nativo (</a:t>
-            </a:r>
-            <a:r>
-              <a:rPr lang="pt-BR" dirty="0" err="1"/>
-              <a:t>Kotlin</a:t>
-            </a:r>
-            <a:r>
-              <a:rPr lang="pt-BR" dirty="0"/>
-              <a:t>/Java)</a:t>
-            </a:r>
-          </a:p>
-          <a:p>
-            <a:pPr lvl="1"/>
-            <a:r>
-              <a:rPr lang="pt-BR" dirty="0" err="1"/>
-              <a:t>Ionic</a:t>
-            </a:r>
-            <a:r>
-              <a:rPr lang="pt-BR" dirty="0"/>
-              <a:t>/Angular</a:t>
-            </a:r>
-          </a:p>
-          <a:p>
-            <a:pPr lvl="1"/>
-            <a:r>
-              <a:rPr lang="pt-BR" dirty="0" err="1"/>
-              <a:t>Flutter</a:t>
-            </a:r>
+          <a:bodyPr/>
+          <a:lstStyle/>
+          <a:p>
             <a:endParaRPr lang="pt-BR" dirty="0"/>
           </a:p>
-          <a:p>
-            <a:pPr lvl="1"/>
-            <a:r>
-              <a:rPr lang="pt-BR" dirty="0"/>
-              <a:t>Outros...</a:t>
-            </a:r>
-          </a:p>
-          <a:p>
-            <a:pPr lvl="1"/>
-            <a:endParaRPr lang="pt-BR" dirty="0"/>
-          </a:p>
-          <a:p>
-            <a:r>
-              <a:rPr lang="pt-BR" dirty="0"/>
-              <a:t>Evoluir o exemplo da “Prática MQTT” ou </a:t>
-            </a:r>
-            <a:r>
-              <a:rPr lang="pt-BR"/>
-              <a:t>exemplos anteriores;</a:t>
-            </a:r>
-            <a:endParaRPr lang="pt-BR" dirty="0"/>
-          </a:p>
-        </p:txBody>
-      </p:sp>
-      <p:sp>
-        <p:nvSpPr>
-          <p:cNvPr id="4" name="Espaço Reservado para Número de Slide 3">
-            <a:extLst>
-              <a:ext uri="{FF2B5EF4-FFF2-40B4-BE49-F238E27FC236}">
-                <a16:creationId xmlns:a16="http://schemas.microsoft.com/office/drawing/2014/main" id="{5C2A2EF5-4643-4DDD-9640-2F244F4782B0}"/>
-              </a:ext>
-            </a:extLst>
-          </p:cNvPr>
+        </p:txBody>
+      </p:sp>
+      <p:sp>
+        <p:nvSpPr>
+          <p:cNvPr id="4" name="Espaço Reservado para Número de Slide 3"/>
           <p:cNvSpPr>
             <a:spLocks noGrp="1"/>
           </p:cNvSpPr>
@@ -5503,101 +5445,6 @@
               <a:rPr lang="pt-BR" smtClean="0"/>
               <a:pPr/>
               <a:t>16</a:t>
-            </a:fld>
-            <a:endParaRPr lang="pt-BR"/>
-          </a:p>
-        </p:txBody>
-      </p:sp>
-    </p:spTree>
-    <p:extLst>
-      <p:ext uri="{BB962C8B-B14F-4D97-AF65-F5344CB8AC3E}">
-        <p14:creationId xmlns:p14="http://schemas.microsoft.com/office/powerpoint/2010/main" val="2602493670"/>
-      </p:ext>
-    </p:extLst>
-  </p:cSld>
-  <p:clrMapOvr>
-    <a:masterClrMapping/>
-  </p:clrMapOvr>
-</p:sld>
-</file>
-
-<file path=ppt/slides/slide17.xml><?xml version="1.0" encoding="utf-8"?>
-<p:sld xmlns:a="http://schemas.openxmlformats.org/drawingml/2006/main" xmlns:r="http://schemas.openxmlformats.org/officeDocument/2006/relationships" xmlns:p="http://schemas.openxmlformats.org/presentationml/2006/main">
-  <p:cSld>
-    <p:spTree>
-      <p:nvGrpSpPr>
-        <p:cNvPr id="1" name=""/>
-        <p:cNvGrpSpPr/>
-        <p:nvPr/>
-      </p:nvGrpSpPr>
-      <p:grpSpPr>
-        <a:xfrm>
-          <a:off x="0" y="0"/>
-          <a:ext cx="0" cy="0"/>
-          <a:chOff x="0" y="0"/>
-          <a:chExt cx="0" cy="0"/>
-        </a:xfrm>
-      </p:grpSpPr>
-      <p:sp>
-        <p:nvSpPr>
-          <p:cNvPr id="2" name="Título 1"/>
-          <p:cNvSpPr>
-            <a:spLocks noGrp="1"/>
-          </p:cNvSpPr>
-          <p:nvPr>
-            <p:ph type="title"/>
-          </p:nvPr>
-        </p:nvSpPr>
-        <p:spPr/>
-        <p:txBody>
-          <a:bodyPr/>
-          <a:lstStyle/>
-          <a:p>
-            <a:r>
-              <a:rPr lang="pt-BR" dirty="0"/>
-              <a:t>Obrigado</a:t>
-            </a:r>
-          </a:p>
-        </p:txBody>
-      </p:sp>
-      <p:sp>
-        <p:nvSpPr>
-          <p:cNvPr id="3" name="Espaço Reservado para Conteúdo 2"/>
-          <p:cNvSpPr>
-            <a:spLocks noGrp="1"/>
-          </p:cNvSpPr>
-          <p:nvPr>
-            <p:ph idx="1"/>
-          </p:nvPr>
-        </p:nvSpPr>
-        <p:spPr/>
-        <p:txBody>
-          <a:bodyPr/>
-          <a:lstStyle/>
-          <a:p>
-            <a:endParaRPr lang="pt-BR" dirty="0"/>
-          </a:p>
-        </p:txBody>
-      </p:sp>
-      <p:sp>
-        <p:nvSpPr>
-          <p:cNvPr id="4" name="Espaço Reservado para Número de Slide 3"/>
-          <p:cNvSpPr>
-            <a:spLocks noGrp="1"/>
-          </p:cNvSpPr>
-          <p:nvPr>
-            <p:ph type="sldNum" sz="quarter" idx="12"/>
-          </p:nvPr>
-        </p:nvSpPr>
-        <p:spPr/>
-        <p:txBody>
-          <a:bodyPr/>
-          <a:lstStyle/>
-          <a:p>
-            <a:fld id="{2119D8CF-8DEC-4D9F-84EE-ADF04DFF3391}" type="slidenum">
-              <a:rPr lang="pt-BR" smtClean="0"/>
-              <a:pPr/>
-              <a:t>17</a:t>
             </a:fld>
             <a:endParaRPr lang="pt-BR"/>
           </a:p>
@@ -5667,7 +5514,12 @@
             <p:ph idx="1"/>
           </p:nvPr>
         </p:nvSpPr>
-        <p:spPr/>
+        <p:spPr>
+          <a:xfrm>
+            <a:off x="457200" y="1935480"/>
+            <a:ext cx="8229600" cy="4389120"/>
+          </a:xfrm>
+        </p:spPr>
         <p:txBody>
           <a:bodyPr>
             <a:normAutofit fontScale="92500" lnSpcReduction="20000"/>
@@ -5678,23 +5530,23 @@
           </a:p>
           <a:p>
             <a:r>
-              <a:rPr lang="pt-BR" i="1" dirty="0"/>
+              <a:rPr lang="pt-BR" dirty="0"/>
               <a:t>É um protocolo de mensagem “muito leve” do tipo </a:t>
             </a:r>
             <a:r>
-              <a:rPr lang="pt-BR" i="1" dirty="0" err="1"/>
+              <a:rPr lang="pt-BR" dirty="0" err="1"/>
               <a:t>publish</a:t>
             </a:r>
             <a:r>
-              <a:rPr lang="pt-BR" i="1" dirty="0"/>
+              <a:rPr lang="pt-BR" dirty="0"/>
               <a:t>/</a:t>
             </a:r>
             <a:r>
-              <a:rPr lang="pt-BR" i="1" dirty="0" err="1"/>
+              <a:rPr lang="pt-BR" dirty="0" err="1"/>
               <a:t>subscribe</a:t>
             </a:r>
             <a:r>
-              <a:rPr lang="pt-BR" i="1" dirty="0"/>
+              <a:rPr lang="pt-BR" dirty="0"/>
               <a:t>;</a:t>
             </a:r>
           </a:p>
@@ -5703,25 +5555,25 @@
           </a:p>
           <a:p>
             <a:r>
-              <a:rPr lang="pt-BR" i="1" dirty="0"/>
-              <a:t>Ideal para comunicação entre dispositivos e aplicações em que a largura de banda e baixo consumo de bateria são requisites essenciais.</a:t>
-            </a:r>
-          </a:p>
-          <a:p>
-            <a:endParaRPr lang="pt-BR" i="1" dirty="0"/>
-          </a:p>
-          <a:p>
-            <a:r>
-              <a:rPr lang="pt-BR" i="1" dirty="0"/>
+              <a:rPr lang="pt-BR" dirty="0"/>
+              <a:t>Ideal para comunicação entre dispositivos e aplicações em que a largura de banda e baixo consumo de bateria são requisitos essenciais.</a:t>
+            </a:r>
+          </a:p>
+          <a:p>
+            <a:endParaRPr lang="pt-BR" dirty="0"/>
+          </a:p>
+          <a:p>
+            <a:r>
+              <a:rPr lang="pt-BR" dirty="0"/>
               <a:t>Qualidade de serviço;</a:t>
             </a:r>
           </a:p>
           <a:p>
-            <a:endParaRPr lang="pt-BR" i="1" dirty="0"/>
-          </a:p>
-          <a:p>
-            <a:r>
-              <a:rPr lang="pt-BR" i="1" dirty="0"/>
+            <a:endParaRPr lang="pt-BR" dirty="0"/>
+          </a:p>
+          <a:p>
+            <a:r>
+              <a:rPr lang="pt-BR" dirty="0"/>
               <a:t>Desacopla quem quer enviar e quem quer receber mensagens.</a:t>
             </a:r>
           </a:p>
@@ -5841,23 +5693,7 @@
             <a:pPr lvl="1"/>
             <a:r>
               <a:rPr lang="pt-BR" dirty="0"/>
-              <a:t>Eles necessitavam de um </a:t>
-            </a:r>
-            <a:r>
-              <a:rPr lang="pt-BR" dirty="0" err="1"/>
-              <a:t>protocol</a:t>
-            </a:r>
-            <a:r>
-              <a:rPr lang="pt-BR" dirty="0"/>
-              <a:t> de baixo consumo de bateria e largura de banda para se conectar tubulações de </a:t>
-            </a:r>
-            <a:r>
-              <a:rPr lang="pt-BR" dirty="0" err="1"/>
-              <a:t>oleo</a:t>
-            </a:r>
-            <a:r>
-              <a:rPr lang="pt-BR" dirty="0"/>
-              <a:t> via satélite.</a:t>
+              <a:t>Eles necessitavam de um protocolo de baixo consumo de bateria e largura de banda para se conectar tubulações de óleo via satélite.</a:t>
             </a:r>
           </a:p>
           <a:p>
@@ -6531,6 +6367,12 @@
           <a:p>
             <a:endParaRPr lang="pt-BR" dirty="0"/>
           </a:p>
+          <a:p>
+            <a:r>
+              <a:rPr lang="pt-BR" dirty="0"/>
+              <a:t>Exemplo MQTT.pdf;</a:t>
+            </a:r>
+          </a:p>
         </p:txBody>
       </p:sp>
       <p:sp>
@@ -6604,15 +6446,31 @@
           <a:p>
             <a:r>
               <a:rPr lang="pt-BR" dirty="0"/>
-              <a:t>Eclipse </a:t>
-            </a:r>
-            <a:r>
-              <a:rPr lang="pt-BR" dirty="0" err="1"/>
-              <a:t>Paho</a:t>
-            </a:r>
-            <a:r>
-              <a:rPr lang="pt-BR" dirty="0"/>
-              <a:t> </a:t>
+              <a:t>Sensores</a:t>
+            </a:r>
+          </a:p>
+        </p:txBody>
+      </p:sp>
+      <p:sp>
+        <p:nvSpPr>
+          <p:cNvPr id="3" name="Espaço Reservado para Conteúdo 2"/>
+          <p:cNvSpPr>
+            <a:spLocks noGrp="1"/>
+          </p:cNvSpPr>
+          <p:nvPr>
+            <p:ph idx="1"/>
+          </p:nvPr>
+        </p:nvSpPr>
+        <p:spPr/>
+        <p:txBody>
+          <a:bodyPr>
+            <a:normAutofit fontScale="85000" lnSpcReduction="10000"/>
+          </a:bodyPr>
+          <a:lstStyle/>
+          <a:p>
+            <a:r>
+              <a:rPr lang="pt-BR" dirty="0"/>
+              <a:t>Os dispositivos </a:t>
             </a:r>
             <a:r>
               <a:rPr lang="pt-BR" dirty="0" err="1"/>
@@ -6620,31 +6478,42 @@
             </a:r>
             <a:r>
               <a:rPr lang="pt-BR" dirty="0"/>
-              <a:t> Service</a:t>
-            </a:r>
-          </a:p>
-        </p:txBody>
-      </p:sp>
-      <p:sp>
-        <p:nvSpPr>
-          <p:cNvPr id="3" name="Espaço Reservado para Conteúdo 2"/>
-          <p:cNvSpPr>
-            <a:spLocks noGrp="1"/>
-          </p:cNvSpPr>
-          <p:nvPr>
-            <p:ph idx="1"/>
-          </p:nvPr>
-        </p:nvSpPr>
-        <p:spPr/>
-        <p:txBody>
-          <a:bodyPr>
-            <a:normAutofit lnSpcReduction="10000"/>
-          </a:bodyPr>
-          <a:lstStyle/>
-          <a:p>
-            <a:r>
-              <a:rPr lang="pt-BR" dirty="0"/>
-              <a:t>Declarar biblioteca e permissões necessárias;</a:t>
+              <a:t> possuem diversos tipos de sensores;</a:t>
+            </a:r>
+          </a:p>
+          <a:p>
+            <a:pPr lvl="1"/>
+            <a:r>
+              <a:rPr lang="pt-BR" dirty="0"/>
+              <a:t>Movimento;</a:t>
+            </a:r>
+          </a:p>
+          <a:p>
+            <a:pPr lvl="1"/>
+            <a:r>
+              <a:rPr lang="pt-BR" dirty="0"/>
+              <a:t>Orientação</a:t>
+            </a:r>
+          </a:p>
+          <a:p>
+            <a:pPr lvl="1"/>
+            <a:r>
+              <a:rPr lang="pt-BR" dirty="0"/>
+              <a:t>Luminosidade;</a:t>
+            </a:r>
+          </a:p>
+          <a:p>
+            <a:pPr lvl="1"/>
+            <a:r>
+              <a:rPr lang="pt-BR" dirty="0"/>
+              <a:t>Posição</a:t>
+            </a:r>
+          </a:p>
+          <a:p>
+            <a:pPr lvl="1"/>
+            <a:r>
+              <a:rPr lang="pt-BR" dirty="0"/>
+              <a:t>...</a:t>
             </a:r>
           </a:p>
           <a:p>
@@ -6653,86 +6522,25 @@
           <a:p>
             <a:r>
               <a:rPr lang="pt-BR" dirty="0"/>
-              <a:t>Declarar </a:t>
-            </a:r>
-            <a:r>
-              <a:rPr lang="pt-BR" dirty="0" err="1"/>
-              <a:t>Mqtt</a:t>
-            </a:r>
-            <a:r>
-              <a:rPr lang="pt-BR" dirty="0"/>
-              <a:t> Service;</a:t>
+              <a:t>Hardware  e/ou Software;</a:t>
             </a:r>
           </a:p>
           <a:p>
             <a:pPr lvl="1"/>
-            <a:r>
-              <a:rPr lang="pt-BR" dirty="0" err="1"/>
-              <a:t>MqttService</a:t>
-            </a:r>
-            <a:r>
-              <a:rPr lang="pt-BR" dirty="0"/>
-              <a:t>;</a:t>
-            </a:r>
-          </a:p>
-          <a:p>
             <a:endParaRPr lang="pt-BR" dirty="0"/>
           </a:p>
           <a:p>
             <a:r>
               <a:rPr lang="pt-BR" dirty="0"/>
-              <a:t>Inicializar o </a:t>
-            </a:r>
-            <a:r>
-              <a:rPr lang="pt-BR" dirty="0" err="1"/>
-              <a:t>Client</a:t>
-            </a:r>
-            <a:r>
-              <a:rPr lang="pt-BR" dirty="0"/>
-              <a:t>:</a:t>
+              <a:t>Referência: </a:t>
             </a:r>
           </a:p>
           <a:p>
             <a:pPr lvl="1"/>
             <a:r>
-              <a:rPr lang="pt-BR" dirty="0" err="1"/>
-              <a:t>MqttAndroidClient</a:t>
-            </a:r>
-            <a:r>
-              <a:rPr lang="pt-BR" dirty="0"/>
-              <a:t>;</a:t>
-            </a:r>
-          </a:p>
-          <a:p>
-            <a:endParaRPr lang="pt-BR" dirty="0"/>
-          </a:p>
-          <a:p>
-            <a:r>
-              <a:rPr lang="pt-BR" dirty="0"/>
-              <a:t>Declarar </a:t>
-            </a:r>
-            <a:r>
-              <a:rPr lang="pt-BR" dirty="0" err="1"/>
-              <a:t>Callback</a:t>
-            </a:r>
-            <a:r>
-              <a:rPr lang="pt-BR" dirty="0"/>
-              <a:t>:</a:t>
-            </a:r>
-          </a:p>
-          <a:p>
-            <a:pPr lvl="1"/>
-            <a:r>
-              <a:rPr lang="pt-BR" dirty="0" err="1"/>
-              <a:t>MqttCallbackExtended</a:t>
-            </a:r>
-            <a:r>
-              <a:rPr lang="pt-BR" dirty="0"/>
-              <a:t>;</a:t>
-            </a:r>
-          </a:p>
-          <a:p>
-            <a:endParaRPr lang="pt-BR" dirty="0"/>
+              <a:rPr lang="pt-BR" dirty="0"/>
+              <a:t>https://developer.android.com/guide/topics/sensors/sensors_overview.html</a:t>
+            </a:r>
           </a:p>
         </p:txBody>
       </p:sp>
@@ -6763,7 +6571,7 @@
     </p:spTree>
     <p:extLst>
       <p:ext uri="{BB962C8B-B14F-4D97-AF65-F5344CB8AC3E}">
-        <p14:creationId xmlns:p14="http://schemas.microsoft.com/office/powerpoint/2010/main" val="3893929428"/>
+        <p14:creationId xmlns:p14="http://schemas.microsoft.com/office/powerpoint/2010/main" val="2749996849"/>
       </p:ext>
     </p:extLst>
   </p:cSld>
@@ -6807,8 +6615,13 @@
           <a:p>
             <a:r>
               <a:rPr lang="pt-BR" dirty="0"/>
-              <a:t>Sensores</a:t>
-            </a:r>
+              <a:t>Motion </a:t>
+            </a:r>
+            <a:r>
+              <a:rPr lang="pt-BR" dirty="0" err="1"/>
+              <a:t>Sensors</a:t>
+            </a:r>
+            <a:endParaRPr lang="pt-BR" dirty="0"/>
           </a:p>
         </p:txBody>
       </p:sp>
@@ -6824,84 +6637,62 @@
         </p:nvSpPr>
         <p:spPr/>
         <p:txBody>
-          <a:bodyPr>
-            <a:normAutofit fontScale="85000" lnSpcReduction="10000"/>
-          </a:bodyPr>
-          <a:lstStyle/>
-          <a:p>
-            <a:r>
-              <a:rPr lang="pt-BR" dirty="0"/>
-              <a:t>Os dispositivos </a:t>
-            </a:r>
-            <a:r>
-              <a:rPr lang="pt-BR" dirty="0" err="1"/>
-              <a:t>Android</a:t>
-            </a:r>
-            <a:r>
-              <a:rPr lang="pt-BR" dirty="0"/>
-              <a:t> possuem diversos tipos de sensores;</a:t>
-            </a:r>
+          <a:bodyPr/>
+          <a:lstStyle/>
+          <a:p>
+            <a:r>
+              <a:rPr lang="pt-BR" dirty="0"/>
+              <a:t>Sensores que medem movimentos e orientação;</a:t>
+            </a:r>
+          </a:p>
+          <a:p>
+            <a:endParaRPr lang="pt-BR" dirty="0"/>
           </a:p>
           <a:p>
             <a:pPr lvl="1"/>
             <a:r>
               <a:rPr lang="pt-BR" dirty="0"/>
-              <a:t>Movimento;</a:t>
+              <a:t>Acelerômetro;</a:t>
             </a:r>
           </a:p>
           <a:p>
             <a:pPr lvl="1"/>
             <a:r>
               <a:rPr lang="pt-BR" dirty="0"/>
-              <a:t>Orientação</a:t>
+              <a:t>Gravidade;</a:t>
             </a:r>
           </a:p>
           <a:p>
             <a:pPr lvl="1"/>
             <a:r>
               <a:rPr lang="pt-BR" dirty="0"/>
-              <a:t>Luminosidade;</a:t>
+              <a:t>Giroscópio;</a:t>
             </a:r>
           </a:p>
           <a:p>
             <a:pPr lvl="1"/>
             <a:r>
               <a:rPr lang="pt-BR" dirty="0"/>
-              <a:t>Posição</a:t>
+              <a:t>Rotação;</a:t>
             </a:r>
           </a:p>
           <a:p>
             <a:pPr lvl="1"/>
             <a:r>
               <a:rPr lang="pt-BR" dirty="0"/>
+              <a:t>Passos;</a:t>
+            </a:r>
+          </a:p>
+          <a:p>
+            <a:pPr lvl="1"/>
+            <a:r>
+              <a:rPr lang="pt-BR" dirty="0"/>
               <a:t>...</a:t>
-            </a:r>
-          </a:p>
-          <a:p>
-            <a:endParaRPr lang="pt-BR" dirty="0"/>
-          </a:p>
-          <a:p>
-            <a:r>
-              <a:rPr lang="pt-BR" dirty="0"/>
-              <a:t>Hardware  e/ou Software;</a:t>
             </a:r>
           </a:p>
           <a:p>
             <a:pPr lvl="1"/>
             <a:endParaRPr lang="pt-BR" dirty="0"/>
-          </a:p>
-          <a:p>
-            <a:r>
-              <a:rPr lang="pt-BR" dirty="0"/>
-              <a:t>Referência: </a:t>
-            </a:r>
-          </a:p>
-          <a:p>
-            <a:pPr lvl="1"/>
-            <a:r>
-              <a:rPr lang="pt-BR" dirty="0"/>
-              <a:t>https://developer.android.com/guide/topics/sensors/sensors_overview.html</a:t>
-            </a:r>
           </a:p>
         </p:txBody>
       </p:sp>
@@ -6932,7 +6723,7 @@
     </p:spTree>
     <p:extLst>
       <p:ext uri="{BB962C8B-B14F-4D97-AF65-F5344CB8AC3E}">
-        <p14:creationId xmlns:p14="http://schemas.microsoft.com/office/powerpoint/2010/main" val="2749996849"/>
+        <p14:creationId xmlns:p14="http://schemas.microsoft.com/office/powerpoint/2010/main" val="1570708731"/>
       </p:ext>
     </p:extLst>
   </p:cSld>
